--- a/УП 04.pptx
+++ b/УП 04.pptx
@@ -13,7 +13,7 @@
     <p:sldId id="258" r:id="rId4"/>
     <p:sldId id="259" r:id="rId5"/>
     <p:sldId id="260" r:id="rId6"/>
-    <p:sldId id="264" r:id="rId7"/>
+    <p:sldId id="266" r:id="rId7"/>
     <p:sldId id="261" r:id="rId8"/>
     <p:sldId id="262" r:id="rId9"/>
     <p:sldId id="263" r:id="rId10"/>
@@ -206,7 +206,7 @@
           <a:p>
             <a:fld id="{90FAB778-0729-42E9-9ACD-6137B150404C}" type="datetimeFigureOut">
               <a:rPr lang="ru-RU" smtClean="0"/>
-              <a:t>01.03.2023</a:t>
+              <a:t>02.03.2023</a:t>
             </a:fld>
             <a:endParaRPr lang="ru-RU"/>
           </a:p>
@@ -704,7 +704,7 @@
           <a:p>
             <a:fld id="{364BDA9A-C8B6-4C5A-90A5-7EE83E90EF87}" type="datetimeFigureOut">
               <a:rPr lang="ru-RU" smtClean="0"/>
-              <a:t>01.03.2023</a:t>
+              <a:t>02.03.2023</a:t>
             </a:fld>
             <a:endParaRPr lang="ru-RU"/>
           </a:p>
@@ -902,7 +902,7 @@
           <a:p>
             <a:fld id="{364BDA9A-C8B6-4C5A-90A5-7EE83E90EF87}" type="datetimeFigureOut">
               <a:rPr lang="ru-RU" smtClean="0"/>
-              <a:t>01.03.2023</a:t>
+              <a:t>02.03.2023</a:t>
             </a:fld>
             <a:endParaRPr lang="ru-RU"/>
           </a:p>
@@ -1110,7 +1110,7 @@
           <a:p>
             <a:fld id="{364BDA9A-C8B6-4C5A-90A5-7EE83E90EF87}" type="datetimeFigureOut">
               <a:rPr lang="ru-RU" smtClean="0"/>
-              <a:t>01.03.2023</a:t>
+              <a:t>02.03.2023</a:t>
             </a:fld>
             <a:endParaRPr lang="ru-RU"/>
           </a:p>
@@ -1308,7 +1308,7 @@
           <a:p>
             <a:fld id="{364BDA9A-C8B6-4C5A-90A5-7EE83E90EF87}" type="datetimeFigureOut">
               <a:rPr lang="ru-RU" smtClean="0"/>
-              <a:t>01.03.2023</a:t>
+              <a:t>02.03.2023</a:t>
             </a:fld>
             <a:endParaRPr lang="ru-RU"/>
           </a:p>
@@ -1583,7 +1583,7 @@
           <a:p>
             <a:fld id="{364BDA9A-C8B6-4C5A-90A5-7EE83E90EF87}" type="datetimeFigureOut">
               <a:rPr lang="ru-RU" smtClean="0"/>
-              <a:t>01.03.2023</a:t>
+              <a:t>02.03.2023</a:t>
             </a:fld>
             <a:endParaRPr lang="ru-RU"/>
           </a:p>
@@ -1848,7 +1848,7 @@
           <a:p>
             <a:fld id="{364BDA9A-C8B6-4C5A-90A5-7EE83E90EF87}" type="datetimeFigureOut">
               <a:rPr lang="ru-RU" smtClean="0"/>
-              <a:t>01.03.2023</a:t>
+              <a:t>02.03.2023</a:t>
             </a:fld>
             <a:endParaRPr lang="ru-RU"/>
           </a:p>
@@ -2260,7 +2260,7 @@
           <a:p>
             <a:fld id="{364BDA9A-C8B6-4C5A-90A5-7EE83E90EF87}" type="datetimeFigureOut">
               <a:rPr lang="ru-RU" smtClean="0"/>
-              <a:t>01.03.2023</a:t>
+              <a:t>02.03.2023</a:t>
             </a:fld>
             <a:endParaRPr lang="ru-RU"/>
           </a:p>
@@ -2401,7 +2401,7 @@
           <a:p>
             <a:fld id="{364BDA9A-C8B6-4C5A-90A5-7EE83E90EF87}" type="datetimeFigureOut">
               <a:rPr lang="ru-RU" smtClean="0"/>
-              <a:t>01.03.2023</a:t>
+              <a:t>02.03.2023</a:t>
             </a:fld>
             <a:endParaRPr lang="ru-RU"/>
           </a:p>
@@ -2514,7 +2514,7 @@
           <a:p>
             <a:fld id="{364BDA9A-C8B6-4C5A-90A5-7EE83E90EF87}" type="datetimeFigureOut">
               <a:rPr lang="ru-RU" smtClean="0"/>
-              <a:t>01.03.2023</a:t>
+              <a:t>02.03.2023</a:t>
             </a:fld>
             <a:endParaRPr lang="ru-RU"/>
           </a:p>
@@ -2825,7 +2825,7 @@
           <a:p>
             <a:fld id="{364BDA9A-C8B6-4C5A-90A5-7EE83E90EF87}" type="datetimeFigureOut">
               <a:rPr lang="ru-RU" smtClean="0"/>
-              <a:t>01.03.2023</a:t>
+              <a:t>02.03.2023</a:t>
             </a:fld>
             <a:endParaRPr lang="ru-RU"/>
           </a:p>
@@ -3113,7 +3113,7 @@
           <a:p>
             <a:fld id="{364BDA9A-C8B6-4C5A-90A5-7EE83E90EF87}" type="datetimeFigureOut">
               <a:rPr lang="ru-RU" smtClean="0"/>
-              <a:t>01.03.2023</a:t>
+              <a:t>02.03.2023</a:t>
             </a:fld>
             <a:endParaRPr lang="ru-RU"/>
           </a:p>
@@ -3354,7 +3354,7 @@
           <a:p>
             <a:fld id="{364BDA9A-C8B6-4C5A-90A5-7EE83E90EF87}" type="datetimeFigureOut">
               <a:rPr lang="ru-RU" smtClean="0"/>
-              <a:t>01.03.2023</a:t>
+              <a:t>02.03.2023</a:t>
             </a:fld>
             <a:endParaRPr lang="ru-RU"/>
           </a:p>
@@ -4510,13 +4510,13 @@
   <p:clrMapOvr>
     <a:masterClrMapping/>
   </p:clrMapOvr>
-  <mc:AlternateContent xmlns:mc="http://schemas.openxmlformats.org/markup-compatibility/2006">
-    <mc:Choice xmlns:p14="http://schemas.microsoft.com/office/powerpoint/2010/main" Requires="p14">
+  <mc:AlternateContent xmlns:mc="http://schemas.openxmlformats.org/markup-compatibility/2006" xmlns:p14="http://schemas.microsoft.com/office/powerpoint/2010/main">
+    <mc:Choice Requires="p14">
       <p:transition spd="slow" p14:dur="1500">
         <p:split orient="vert"/>
       </p:transition>
     </mc:Choice>
-    <mc:Fallback>
+    <mc:Fallback xmlns="">
       <p:transition spd="slow">
         <p:split orient="vert"/>
       </p:transition>
@@ -4691,13 +4691,13 @@
   <p:clrMapOvr>
     <a:masterClrMapping/>
   </p:clrMapOvr>
-  <mc:AlternateContent xmlns:mc="http://schemas.openxmlformats.org/markup-compatibility/2006">
-    <mc:Choice xmlns:p159="http://schemas.microsoft.com/office/powerpoint/2015/09/main" Requires="p159">
+  <mc:AlternateContent xmlns:mc="http://schemas.openxmlformats.org/markup-compatibility/2006" xmlns:p159="http://schemas.microsoft.com/office/powerpoint/2015/09/main">
+    <mc:Choice Requires="p159">
       <p:transition xmlns:p14="http://schemas.microsoft.com/office/powerpoint/2010/main" spd="slow" p14:dur="2000">
         <p159:morph option="byObject"/>
       </p:transition>
     </mc:Choice>
-    <mc:Fallback>
+    <mc:Fallback xmlns="">
       <p:transition spd="slow">
         <p:fade/>
       </p:transition>
@@ -5431,8 +5431,8 @@
         </p:blipFill>
         <p:spPr bwMode="auto">
           <a:xfrm>
-            <a:off x="60259" y="1896726"/>
-            <a:ext cx="5912079" cy="3861381"/>
+            <a:off x="261403" y="1183640"/>
+            <a:ext cx="5656797" cy="3774440"/>
           </a:xfrm>
           <a:prstGeom prst="rect">
             <a:avLst/>
@@ -5478,8 +5478,8 @@
         </p:blipFill>
         <p:spPr>
           <a:xfrm>
-            <a:off x="9369500" y="284930"/>
-            <a:ext cx="2664004" cy="1539202"/>
+            <a:off x="10034168" y="5257076"/>
+            <a:ext cx="2252085" cy="1301204"/>
           </a:xfrm>
           <a:prstGeom prst="rect">
             <a:avLst/>
@@ -5515,8 +5515,55 @@
         </p:blipFill>
         <p:spPr bwMode="auto">
           <a:xfrm>
-            <a:off x="5995682" y="1896726"/>
+            <a:off x="5984010" y="1211237"/>
             <a:ext cx="6136059" cy="3719246"/>
+          </a:xfrm>
+          <a:prstGeom prst="rect">
+            <a:avLst/>
+          </a:prstGeom>
+          <a:noFill/>
+          <a:extLst>
+            <a:ext uri="{909E8E84-426E-40DD-AFC4-6F175D3DCCD1}">
+              <a14:hiddenFill xmlns:a14="http://schemas.microsoft.com/office/drawing/2010/main">
+                <a:solidFill>
+                  <a:srgbClr val="FFFFFF"/>
+                </a:solidFill>
+              </a14:hiddenFill>
+            </a:ext>
+          </a:extLst>
+        </p:spPr>
+      </p:pic>
+      <p:pic>
+        <p:nvPicPr>
+          <p:cNvPr id="1026" name="Picture 2">
+            <a:extLst>
+              <a:ext uri="{FF2B5EF4-FFF2-40B4-BE49-F238E27FC236}">
+                <a16:creationId xmlns:a16="http://schemas.microsoft.com/office/drawing/2014/main" id="{30DC52A9-AC65-4698-AA3B-EBAC33732CA0}"/>
+              </a:ext>
+            </a:extLst>
+          </p:cNvPr>
+          <p:cNvPicPr>
+            <a:picLocks noChangeAspect="1" noChangeArrowheads="1"/>
+          </p:cNvPicPr>
+          <p:nvPr/>
+        </p:nvPicPr>
+        <p:blipFill>
+          <a:blip r:embed="rId6">
+            <a:extLst>
+              <a:ext uri="{28A0092B-C50C-407E-A947-70E740481C1C}">
+                <a14:useLocalDpi xmlns:a14="http://schemas.microsoft.com/office/drawing/2010/main" val="0"/>
+              </a:ext>
+            </a:extLst>
+          </a:blip>
+          <a:srcRect/>
+          <a:stretch>
+            <a:fillRect/>
+          </a:stretch>
+        </p:blipFill>
+        <p:spPr bwMode="auto">
+          <a:xfrm>
+            <a:off x="2941840" y="5015086"/>
+            <a:ext cx="5912080" cy="1689166"/>
           </a:xfrm>
           <a:prstGeom prst="rect">
             <a:avLst/>
@@ -5543,13 +5590,13 @@
   <p:clrMapOvr>
     <a:masterClrMapping/>
   </p:clrMapOvr>
-  <mc:AlternateContent xmlns:mc="http://schemas.openxmlformats.org/markup-compatibility/2006">
-    <mc:Choice xmlns:p14="http://schemas.microsoft.com/office/powerpoint/2010/main" Requires="p14">
+  <mc:AlternateContent xmlns:mc="http://schemas.openxmlformats.org/markup-compatibility/2006" xmlns:p14="http://schemas.microsoft.com/office/powerpoint/2010/main">
+    <mc:Choice Requires="p14">
       <p:transition spd="slow" p14:dur="1500">
         <p:split orient="vert"/>
       </p:transition>
     </mc:Choice>
-    <mc:Fallback>
+    <mc:Fallback xmlns="">
       <p:transition spd="slow">
         <p:split orient="vert"/>
       </p:transition>
@@ -5594,7 +5641,7 @@
           <p:cNvPr id="2" name="Заголовок 1">
             <a:extLst>
               <a:ext uri="{FF2B5EF4-FFF2-40B4-BE49-F238E27FC236}">
-                <a16:creationId xmlns:a16="http://schemas.microsoft.com/office/drawing/2014/main" id="{0283C6EE-87E1-4541-8824-9E06D026FC77}"/>
+                <a16:creationId xmlns:a16="http://schemas.microsoft.com/office/drawing/2014/main" id="{8FFEF2E1-E4BB-42ED-8E81-FCD35D2FCEB0}"/>
               </a:ext>
             </a:extLst>
           </p:cNvPr>
@@ -5605,7 +5652,12 @@
             <p:ph type="title"/>
           </p:nvPr>
         </p:nvSpPr>
-        <p:spPr/>
+        <p:spPr>
+          <a:xfrm>
+            <a:off x="701040" y="-233680"/>
+            <a:ext cx="10515600" cy="1325563"/>
+          </a:xfrm>
+        </p:spPr>
         <p:txBody>
           <a:bodyPr/>
           <a:lstStyle/>
@@ -5636,19 +5688,17 @@
       </p:sp>
       <p:pic>
         <p:nvPicPr>
-          <p:cNvPr id="9218" name="Picture 2">
-            <a:extLst>
-              <a:ext uri="{FF2B5EF4-FFF2-40B4-BE49-F238E27FC236}">
-                <a16:creationId xmlns:a16="http://schemas.microsoft.com/office/drawing/2014/main" id="{04F07785-1DBF-404B-B0D6-E24585B79F2A}"/>
+          <p:cNvPr id="2050" name="Picture 2">
+            <a:extLst>
+              <a:ext uri="{FF2B5EF4-FFF2-40B4-BE49-F238E27FC236}">
+                <a16:creationId xmlns:a16="http://schemas.microsoft.com/office/drawing/2014/main" id="{38D02BBC-AA4D-4942-9A36-3BE49E7974BE}"/>
               </a:ext>
             </a:extLst>
           </p:cNvPr>
           <p:cNvPicPr>
-            <a:picLocks noGrp="1" noChangeAspect="1" noChangeArrowheads="1"/>
+            <a:picLocks noChangeAspect="1" noChangeArrowheads="1"/>
           </p:cNvPicPr>
-          <p:nvPr>
-            <p:ph idx="1"/>
-          </p:nvPr>
+          <p:nvPr/>
         </p:nvPicPr>
         <p:blipFill>
           <a:blip r:embed="rId3">
@@ -5665,8 +5715,8 @@
         </p:blipFill>
         <p:spPr bwMode="auto">
           <a:xfrm>
-            <a:off x="0" y="1924902"/>
-            <a:ext cx="5970629" cy="3618974"/>
+            <a:off x="596900" y="804192"/>
+            <a:ext cx="4659290" cy="2830007"/>
           </a:xfrm>
           <a:prstGeom prst="rect">
             <a:avLst/>
@@ -5685,17 +5735,19 @@
       </p:pic>
       <p:pic>
         <p:nvPicPr>
-          <p:cNvPr id="9220" name="Picture 4">
-            <a:extLst>
-              <a:ext uri="{FF2B5EF4-FFF2-40B4-BE49-F238E27FC236}">
-                <a16:creationId xmlns:a16="http://schemas.microsoft.com/office/drawing/2014/main" id="{1ACAC89E-F74B-464D-AF73-C0D89A8ECE66}"/>
+          <p:cNvPr id="2054" name="Picture 6">
+            <a:extLst>
+              <a:ext uri="{FF2B5EF4-FFF2-40B4-BE49-F238E27FC236}">
+                <a16:creationId xmlns:a16="http://schemas.microsoft.com/office/drawing/2014/main" id="{19F4EE5C-3B1E-48FB-B52C-7A7855191FE9}"/>
               </a:ext>
             </a:extLst>
           </p:cNvPr>
           <p:cNvPicPr>
-            <a:picLocks noChangeAspect="1" noChangeArrowheads="1"/>
+            <a:picLocks noGrp="1" noChangeAspect="1" noChangeArrowheads="1"/>
           </p:cNvPicPr>
-          <p:nvPr/>
+          <p:nvPr>
+            <p:ph idx="1"/>
+          </p:nvPr>
         </p:nvPicPr>
         <p:blipFill>
           <a:blip r:embed="rId4">
@@ -5712,8 +5764,8 @@
         </p:blipFill>
         <p:spPr bwMode="auto">
           <a:xfrm>
-            <a:off x="6049425" y="2003279"/>
-            <a:ext cx="6142575" cy="3342042"/>
+            <a:off x="5760557" y="149542"/>
+            <a:ext cx="5214447" cy="3157537"/>
           </a:xfrm>
           <a:prstGeom prst="rect">
             <a:avLst/>
@@ -5730,19 +5782,158 @@
           </a:extLst>
         </p:spPr>
       </p:pic>
+      <p:pic>
+        <p:nvPicPr>
+          <p:cNvPr id="2056" name="Picture 8">
+            <a:extLst>
+              <a:ext uri="{FF2B5EF4-FFF2-40B4-BE49-F238E27FC236}">
+                <a16:creationId xmlns:a16="http://schemas.microsoft.com/office/drawing/2014/main" id="{8290348E-8C09-4669-A2A7-19F4BDB1BA80}"/>
+              </a:ext>
+            </a:extLst>
+          </p:cNvPr>
+          <p:cNvPicPr>
+            <a:picLocks noChangeAspect="1" noChangeArrowheads="1"/>
+          </p:cNvPicPr>
+          <p:nvPr/>
+        </p:nvPicPr>
+        <p:blipFill>
+          <a:blip r:embed="rId5">
+            <a:extLst>
+              <a:ext uri="{28A0092B-C50C-407E-A947-70E740481C1C}">
+                <a14:useLocalDpi xmlns:a14="http://schemas.microsoft.com/office/drawing/2010/main" val="0"/>
+              </a:ext>
+            </a:extLst>
+          </a:blip>
+          <a:srcRect/>
+          <a:stretch>
+            <a:fillRect/>
+          </a:stretch>
+        </p:blipFill>
+        <p:spPr bwMode="auto">
+          <a:xfrm>
+            <a:off x="596900" y="3756530"/>
+            <a:ext cx="4655820" cy="2830008"/>
+          </a:xfrm>
+          <a:prstGeom prst="rect">
+            <a:avLst/>
+          </a:prstGeom>
+          <a:noFill/>
+          <a:extLst>
+            <a:ext uri="{909E8E84-426E-40DD-AFC4-6F175D3DCCD1}">
+              <a14:hiddenFill xmlns:a14="http://schemas.microsoft.com/office/drawing/2010/main">
+                <a:solidFill>
+                  <a:srgbClr val="FFFFFF"/>
+                </a:solidFill>
+              </a14:hiddenFill>
+            </a:ext>
+          </a:extLst>
+        </p:spPr>
+      </p:pic>
+      <p:pic>
+        <p:nvPicPr>
+          <p:cNvPr id="2062" name="Picture 14">
+            <a:extLst>
+              <a:ext uri="{FF2B5EF4-FFF2-40B4-BE49-F238E27FC236}">
+                <a16:creationId xmlns:a16="http://schemas.microsoft.com/office/drawing/2014/main" id="{F8A55B98-123A-4E53-98D3-3CFE85A1D25A}"/>
+              </a:ext>
+            </a:extLst>
+          </p:cNvPr>
+          <p:cNvPicPr>
+            <a:picLocks noChangeAspect="1" noChangeArrowheads="1"/>
+          </p:cNvPicPr>
+          <p:nvPr/>
+        </p:nvPicPr>
+        <p:blipFill>
+          <a:blip r:embed="rId6">
+            <a:extLst>
+              <a:ext uri="{28A0092B-C50C-407E-A947-70E740481C1C}">
+                <a14:useLocalDpi xmlns:a14="http://schemas.microsoft.com/office/drawing/2010/main" val="0"/>
+              </a:ext>
+            </a:extLst>
+          </a:blip>
+          <a:srcRect/>
+          <a:stretch>
+            <a:fillRect/>
+          </a:stretch>
+        </p:blipFill>
+        <p:spPr bwMode="auto">
+          <a:xfrm>
+            <a:off x="5760557" y="3416972"/>
+            <a:ext cx="5214447" cy="3169566"/>
+          </a:xfrm>
+          <a:prstGeom prst="rect">
+            <a:avLst/>
+          </a:prstGeom>
+          <a:noFill/>
+          <a:extLst>
+            <a:ext uri="{909E8E84-426E-40DD-AFC4-6F175D3DCCD1}">
+              <a14:hiddenFill xmlns:a14="http://schemas.microsoft.com/office/drawing/2010/main">
+                <a:solidFill>
+                  <a:srgbClr val="FFFFFF"/>
+                </a:solidFill>
+              </a14:hiddenFill>
+            </a:ext>
+          </a:extLst>
+        </p:spPr>
+      </p:pic>
+      <p:pic>
+        <p:nvPicPr>
+          <p:cNvPr id="11" name="Рисунок 10">
+            <a:extLst>
+              <a:ext uri="{FF2B5EF4-FFF2-40B4-BE49-F238E27FC236}">
+                <a16:creationId xmlns:a16="http://schemas.microsoft.com/office/drawing/2014/main" id="{1EB9AB95-8B67-4FEF-BC4B-2BF6748D4B02}"/>
+              </a:ext>
+            </a:extLst>
+          </p:cNvPr>
+          <p:cNvPicPr>
+            <a:picLocks noChangeAspect="1"/>
+          </p:cNvPicPr>
+          <p:nvPr/>
+        </p:nvPicPr>
+        <p:blipFill>
+          <a:blip r:embed="rId7">
+            <a:extLst>
+              <a:ext uri="{28A0092B-C50C-407E-A947-70E740481C1C}">
+                <a14:useLocalDpi xmlns:a14="http://schemas.microsoft.com/office/drawing/2010/main" val="0"/>
+              </a:ext>
+            </a:extLst>
+          </a:blip>
+          <a:stretch>
+            <a:fillRect/>
+          </a:stretch>
+        </p:blipFill>
+        <p:spPr>
+          <a:xfrm>
+            <a:off x="10808188" y="5677218"/>
+            <a:ext cx="1573824" cy="909320"/>
+          </a:xfrm>
+          <a:prstGeom prst="rect">
+            <a:avLst/>
+          </a:prstGeom>
+        </p:spPr>
+      </p:pic>
     </p:spTree>
     <p:extLst>
       <p:ext uri="{BB962C8B-B14F-4D97-AF65-F5344CB8AC3E}">
-        <p14:creationId xmlns:p14="http://schemas.microsoft.com/office/powerpoint/2010/main" val="3691638107"/>
+        <p14:creationId xmlns:p14="http://schemas.microsoft.com/office/powerpoint/2010/main" val="2133669490"/>
       </p:ext>
     </p:extLst>
   </p:cSld>
   <p:clrMapOvr>
     <a:masterClrMapping/>
   </p:clrMapOvr>
-  <p:transition spd="slow">
-    <p:randomBar dir="vert"/>
-  </p:transition>
+  <mc:AlternateContent xmlns:mc="http://schemas.openxmlformats.org/markup-compatibility/2006">
+    <mc:Choice xmlns:p14="http://schemas.microsoft.com/office/powerpoint/2010/main" Requires="p14">
+      <p:transition spd="slow" p14:dur="1250">
+        <p:fade/>
+      </p:transition>
+    </mc:Choice>
+    <mc:Fallback>
+      <p:transition spd="slow">
+        <p:fade/>
+      </p:transition>
+    </mc:Fallback>
+  </mc:AlternateContent>
 </p:sld>
 </file>
 
@@ -6208,13 +6399,13 @@
   <p:clrMapOvr>
     <a:masterClrMapping/>
   </p:clrMapOvr>
-  <mc:AlternateContent xmlns:mc="http://schemas.openxmlformats.org/markup-compatibility/2006">
-    <mc:Choice xmlns:p14="http://schemas.microsoft.com/office/powerpoint/2010/main" Requires="p14">
+  <mc:AlternateContent xmlns:mc="http://schemas.openxmlformats.org/markup-compatibility/2006" xmlns:p14="http://schemas.microsoft.com/office/powerpoint/2010/main">
+    <mc:Choice Requires="p14">
       <p:transition spd="slow" p14:dur="800">
         <p:circle/>
       </p:transition>
     </mc:Choice>
-    <mc:Fallback>
+    <mc:Fallback xmlns="">
       <p:transition spd="slow">
         <p:circle/>
       </p:transition>
@@ -6742,12 +6933,12 @@
   </p:clrMapOvr>
   <mc:AlternateContent xmlns:mc="http://schemas.openxmlformats.org/markup-compatibility/2006">
     <mc:Choice xmlns:p14="http://schemas.microsoft.com/office/powerpoint/2010/main" Requires="p14">
-      <p:transition spd="med" p14:dur="700">
+      <p:transition spd="slow" p14:dur="1250">
         <p:fade/>
       </p:transition>
     </mc:Choice>
     <mc:Fallback>
-      <p:transition spd="med">
+      <p:transition spd="slow">
         <p:fade/>
       </p:transition>
     </mc:Fallback>
